--- a/image.pptx
+++ b/image.pptx
@@ -243,7 +243,7 @@
           <a:p>
             <a:fld id="{861708FE-E7EA-F247-8DF8-BA544FA2E535}" type="datetimeFigureOut">
               <a:rPr lang="en-JP" smtClean="0"/>
-              <a:t>2023/07/09</a:t>
+              <a:t>2023/08/08</a:t>
             </a:fld>
             <a:endParaRPr lang="en-JP"/>
           </a:p>
@@ -413,7 +413,7 @@
           <a:p>
             <a:fld id="{861708FE-E7EA-F247-8DF8-BA544FA2E535}" type="datetimeFigureOut">
               <a:rPr lang="en-JP" smtClean="0"/>
-              <a:t>2023/07/09</a:t>
+              <a:t>2023/08/08</a:t>
             </a:fld>
             <a:endParaRPr lang="en-JP"/>
           </a:p>
@@ -593,7 +593,7 @@
           <a:p>
             <a:fld id="{861708FE-E7EA-F247-8DF8-BA544FA2E535}" type="datetimeFigureOut">
               <a:rPr lang="en-JP" smtClean="0"/>
-              <a:t>2023/07/09</a:t>
+              <a:t>2023/08/08</a:t>
             </a:fld>
             <a:endParaRPr lang="en-JP"/>
           </a:p>
@@ -763,7 +763,7 @@
           <a:p>
             <a:fld id="{861708FE-E7EA-F247-8DF8-BA544FA2E535}" type="datetimeFigureOut">
               <a:rPr lang="en-JP" smtClean="0"/>
-              <a:t>2023/07/09</a:t>
+              <a:t>2023/08/08</a:t>
             </a:fld>
             <a:endParaRPr lang="en-JP"/>
           </a:p>
@@ -1007,7 +1007,7 @@
           <a:p>
             <a:fld id="{861708FE-E7EA-F247-8DF8-BA544FA2E535}" type="datetimeFigureOut">
               <a:rPr lang="en-JP" smtClean="0"/>
-              <a:t>2023/07/09</a:t>
+              <a:t>2023/08/08</a:t>
             </a:fld>
             <a:endParaRPr lang="en-JP"/>
           </a:p>
@@ -1239,7 +1239,7 @@
           <a:p>
             <a:fld id="{861708FE-E7EA-F247-8DF8-BA544FA2E535}" type="datetimeFigureOut">
               <a:rPr lang="en-JP" smtClean="0"/>
-              <a:t>2023/07/09</a:t>
+              <a:t>2023/08/08</a:t>
             </a:fld>
             <a:endParaRPr lang="en-JP"/>
           </a:p>
@@ -1606,7 +1606,7 @@
           <a:p>
             <a:fld id="{861708FE-E7EA-F247-8DF8-BA544FA2E535}" type="datetimeFigureOut">
               <a:rPr lang="en-JP" smtClean="0"/>
-              <a:t>2023/07/09</a:t>
+              <a:t>2023/08/08</a:t>
             </a:fld>
             <a:endParaRPr lang="en-JP"/>
           </a:p>
@@ -1724,7 +1724,7 @@
           <a:p>
             <a:fld id="{861708FE-E7EA-F247-8DF8-BA544FA2E535}" type="datetimeFigureOut">
               <a:rPr lang="en-JP" smtClean="0"/>
-              <a:t>2023/07/09</a:t>
+              <a:t>2023/08/08</a:t>
             </a:fld>
             <a:endParaRPr lang="en-JP"/>
           </a:p>
@@ -1819,7 +1819,7 @@
           <a:p>
             <a:fld id="{861708FE-E7EA-F247-8DF8-BA544FA2E535}" type="datetimeFigureOut">
               <a:rPr lang="en-JP" smtClean="0"/>
-              <a:t>2023/07/09</a:t>
+              <a:t>2023/08/08</a:t>
             </a:fld>
             <a:endParaRPr lang="en-JP"/>
           </a:p>
@@ -2096,7 +2096,7 @@
           <a:p>
             <a:fld id="{861708FE-E7EA-F247-8DF8-BA544FA2E535}" type="datetimeFigureOut">
               <a:rPr lang="en-JP" smtClean="0"/>
-              <a:t>2023/07/09</a:t>
+              <a:t>2023/08/08</a:t>
             </a:fld>
             <a:endParaRPr lang="en-JP"/>
           </a:p>
@@ -2353,7 +2353,7 @@
           <a:p>
             <a:fld id="{861708FE-E7EA-F247-8DF8-BA544FA2E535}" type="datetimeFigureOut">
               <a:rPr lang="en-JP" smtClean="0"/>
-              <a:t>2023/07/09</a:t>
+              <a:t>2023/08/08</a:t>
             </a:fld>
             <a:endParaRPr lang="en-JP"/>
           </a:p>
@@ -2566,7 +2566,7 @@
           <a:p>
             <a:fld id="{861708FE-E7EA-F247-8DF8-BA544FA2E535}" type="datetimeFigureOut">
               <a:rPr lang="en-JP" smtClean="0"/>
-              <a:t>2023/07/09</a:t>
+              <a:t>2023/08/08</a:t>
             </a:fld>
             <a:endParaRPr lang="en-JP"/>
           </a:p>
@@ -2973,10 +2973,10 @@
       </p:grpSpPr>
       <p:pic>
         <p:nvPicPr>
-          <p:cNvPr id="2" name="Picture 1">
+          <p:cNvPr id="3" name="Picture 2">
             <a:extLst>
               <a:ext uri="{FF2B5EF4-FFF2-40B4-BE49-F238E27FC236}">
-                <a16:creationId xmlns:a16="http://schemas.microsoft.com/office/drawing/2014/main" id="{B8DBD052-3698-9B36-23BE-82D4E366F1D3}"/>
+                <a16:creationId xmlns:a16="http://schemas.microsoft.com/office/drawing/2014/main" id="{65A75417-5AAE-5DA2-0815-6893F7DF2F3E}"/>
               </a:ext>
             </a:extLst>
           </p:cNvPr>
@@ -2986,15 +2986,21 @@
           <p:nvPr/>
         </p:nvPicPr>
         <p:blipFill>
-          <a:blip r:embed="rId2"/>
+          <a:blip r:embed="rId2">
+            <a:extLst>
+              <a:ext uri="{28A0092B-C50C-407E-A947-70E740481C1C}">
+                <a14:useLocalDpi xmlns:a14="http://schemas.microsoft.com/office/drawing/2010/main" val="0"/>
+              </a:ext>
+            </a:extLst>
+          </a:blip>
           <a:stretch>
             <a:fillRect/>
           </a:stretch>
         </p:blipFill>
         <p:spPr>
           <a:xfrm>
-            <a:off x="-226040" y="-65260"/>
-            <a:ext cx="9318027" cy="6988520"/>
+            <a:off x="0" y="137691"/>
+            <a:ext cx="9215270" cy="6582617"/>
           </a:xfrm>
           <a:prstGeom prst="rect">
             <a:avLst/>

--- a/image.pptx
+++ b/image.pptx
@@ -243,7 +243,7 @@
           <a:p>
             <a:fld id="{861708FE-E7EA-F247-8DF8-BA544FA2E535}" type="datetimeFigureOut">
               <a:rPr lang="en-JP" smtClean="0"/>
-              <a:t>2023/08/08</a:t>
+              <a:t>2023/08/15</a:t>
             </a:fld>
             <a:endParaRPr lang="en-JP"/>
           </a:p>
@@ -413,7 +413,7 @@
           <a:p>
             <a:fld id="{861708FE-E7EA-F247-8DF8-BA544FA2E535}" type="datetimeFigureOut">
               <a:rPr lang="en-JP" smtClean="0"/>
-              <a:t>2023/08/08</a:t>
+              <a:t>2023/08/15</a:t>
             </a:fld>
             <a:endParaRPr lang="en-JP"/>
           </a:p>
@@ -593,7 +593,7 @@
           <a:p>
             <a:fld id="{861708FE-E7EA-F247-8DF8-BA544FA2E535}" type="datetimeFigureOut">
               <a:rPr lang="en-JP" smtClean="0"/>
-              <a:t>2023/08/08</a:t>
+              <a:t>2023/08/15</a:t>
             </a:fld>
             <a:endParaRPr lang="en-JP"/>
           </a:p>
@@ -763,7 +763,7 @@
           <a:p>
             <a:fld id="{861708FE-E7EA-F247-8DF8-BA544FA2E535}" type="datetimeFigureOut">
               <a:rPr lang="en-JP" smtClean="0"/>
-              <a:t>2023/08/08</a:t>
+              <a:t>2023/08/15</a:t>
             </a:fld>
             <a:endParaRPr lang="en-JP"/>
           </a:p>
@@ -1007,7 +1007,7 @@
           <a:p>
             <a:fld id="{861708FE-E7EA-F247-8DF8-BA544FA2E535}" type="datetimeFigureOut">
               <a:rPr lang="en-JP" smtClean="0"/>
-              <a:t>2023/08/08</a:t>
+              <a:t>2023/08/15</a:t>
             </a:fld>
             <a:endParaRPr lang="en-JP"/>
           </a:p>
@@ -1239,7 +1239,7 @@
           <a:p>
             <a:fld id="{861708FE-E7EA-F247-8DF8-BA544FA2E535}" type="datetimeFigureOut">
               <a:rPr lang="en-JP" smtClean="0"/>
-              <a:t>2023/08/08</a:t>
+              <a:t>2023/08/15</a:t>
             </a:fld>
             <a:endParaRPr lang="en-JP"/>
           </a:p>
@@ -1606,7 +1606,7 @@
           <a:p>
             <a:fld id="{861708FE-E7EA-F247-8DF8-BA544FA2E535}" type="datetimeFigureOut">
               <a:rPr lang="en-JP" smtClean="0"/>
-              <a:t>2023/08/08</a:t>
+              <a:t>2023/08/15</a:t>
             </a:fld>
             <a:endParaRPr lang="en-JP"/>
           </a:p>
@@ -1724,7 +1724,7 @@
           <a:p>
             <a:fld id="{861708FE-E7EA-F247-8DF8-BA544FA2E535}" type="datetimeFigureOut">
               <a:rPr lang="en-JP" smtClean="0"/>
-              <a:t>2023/08/08</a:t>
+              <a:t>2023/08/15</a:t>
             </a:fld>
             <a:endParaRPr lang="en-JP"/>
           </a:p>
@@ -1819,7 +1819,7 @@
           <a:p>
             <a:fld id="{861708FE-E7EA-F247-8DF8-BA544FA2E535}" type="datetimeFigureOut">
               <a:rPr lang="en-JP" smtClean="0"/>
-              <a:t>2023/08/08</a:t>
+              <a:t>2023/08/15</a:t>
             </a:fld>
             <a:endParaRPr lang="en-JP"/>
           </a:p>
@@ -2096,7 +2096,7 @@
           <a:p>
             <a:fld id="{861708FE-E7EA-F247-8DF8-BA544FA2E535}" type="datetimeFigureOut">
               <a:rPr lang="en-JP" smtClean="0"/>
-              <a:t>2023/08/08</a:t>
+              <a:t>2023/08/15</a:t>
             </a:fld>
             <a:endParaRPr lang="en-JP"/>
           </a:p>
@@ -2353,7 +2353,7 @@
           <a:p>
             <a:fld id="{861708FE-E7EA-F247-8DF8-BA544FA2E535}" type="datetimeFigureOut">
               <a:rPr lang="en-JP" smtClean="0"/>
-              <a:t>2023/08/08</a:t>
+              <a:t>2023/08/15</a:t>
             </a:fld>
             <a:endParaRPr lang="en-JP"/>
           </a:p>
@@ -2566,7 +2566,7 @@
           <a:p>
             <a:fld id="{861708FE-E7EA-F247-8DF8-BA544FA2E535}" type="datetimeFigureOut">
               <a:rPr lang="en-JP" smtClean="0"/>
-              <a:t>2023/08/08</a:t>
+              <a:t>2023/08/15</a:t>
             </a:fld>
             <a:endParaRPr lang="en-JP"/>
           </a:p>
@@ -2973,10 +2973,10 @@
       </p:grpSpPr>
       <p:pic>
         <p:nvPicPr>
-          <p:cNvPr id="3" name="Picture 2">
+          <p:cNvPr id="2" name="Picture 1">
             <a:extLst>
               <a:ext uri="{FF2B5EF4-FFF2-40B4-BE49-F238E27FC236}">
-                <a16:creationId xmlns:a16="http://schemas.microsoft.com/office/drawing/2014/main" id="{65A75417-5AAE-5DA2-0815-6893F7DF2F3E}"/>
+                <a16:creationId xmlns:a16="http://schemas.microsoft.com/office/drawing/2014/main" id="{4B6B0613-E6CA-2385-CA8D-72968EDB9815}"/>
               </a:ext>
             </a:extLst>
           </p:cNvPr>
@@ -2986,21 +2986,15 @@
           <p:nvPr/>
         </p:nvPicPr>
         <p:blipFill>
-          <a:blip r:embed="rId2">
-            <a:extLst>
-              <a:ext uri="{28A0092B-C50C-407E-A947-70E740481C1C}">
-                <a14:useLocalDpi xmlns:a14="http://schemas.microsoft.com/office/drawing/2010/main" val="0"/>
-              </a:ext>
-            </a:extLst>
-          </a:blip>
+          <a:blip r:embed="rId2"/>
           <a:stretch>
             <a:fillRect/>
           </a:stretch>
         </p:blipFill>
         <p:spPr>
           <a:xfrm>
-            <a:off x="0" y="137691"/>
-            <a:ext cx="9215270" cy="6582617"/>
+            <a:off x="-1308399" y="855905"/>
+            <a:ext cx="11760798" cy="5146190"/>
           </a:xfrm>
           <a:prstGeom prst="rect">
             <a:avLst/>
